--- a/src/docs/Presentatie Vossen en Konijnen (1).pptx
+++ b/src/docs/Presentatie Vossen en Konijnen (1).pptx
@@ -160,6 +160,7 @@
           </a:p>
         </c:rich>
       </c:tx>
+      <c:layout/>
       <c:overlay val="0"/>
       <c:spPr>
         <a:noFill/>
@@ -544,11 +545,11 @@
         </c:dLbls>
         <c:gapWidth val="219"/>
         <c:overlap val="-27"/>
-        <c:axId val="165465656"/>
-        <c:axId val="229489592"/>
+        <c:axId val="218823960"/>
+        <c:axId val="218820432"/>
       </c:barChart>
       <c:catAx>
-        <c:axId val="165465656"/>
+        <c:axId val="218823960"/>
         <c:scaling>
           <c:orientation val="minMax"/>
         </c:scaling>
@@ -591,7 +592,7 @@
             <a:endParaRPr lang="nl-NL"/>
           </a:p>
         </c:txPr>
-        <c:crossAx val="229489592"/>
+        <c:crossAx val="218820432"/>
         <c:crosses val="autoZero"/>
         <c:auto val="1"/>
         <c:lblAlgn val="ctr"/>
@@ -599,7 +600,7 @@
         <c:noMultiLvlLbl val="0"/>
       </c:catAx>
       <c:valAx>
-        <c:axId val="229489592"/>
+        <c:axId val="218820432"/>
         <c:scaling>
           <c:orientation val="minMax"/>
         </c:scaling>
@@ -650,7 +651,7 @@
             <a:endParaRPr lang="nl-NL"/>
           </a:p>
         </c:txPr>
-        <c:crossAx val="165465656"/>
+        <c:crossAx val="218823960"/>
         <c:crosses val="autoZero"/>
         <c:crossBetween val="between"/>
       </c:valAx>
@@ -664,6 +665,7 @@
     </c:plotArea>
     <c:legend>
       <c:legendPos val="b"/>
+      <c:layout/>
       <c:overlay val="0"/>
       <c:spPr>
         <a:noFill/>
@@ -1765,7 +1767,7 @@
           <a:p>
             <a:fld id="{696BC0D9-3B13-4704-94CA-347EB7398004}" type="datetimeFigureOut">
               <a:rPr lang="nl-NL" smtClean="0"/>
-              <a:t>1-2-2015</a:t>
+              <a:t>2-2-2015</a:t>
             </a:fld>
             <a:endParaRPr lang="nl-NL"/>
           </a:p>
@@ -2061,7 +2063,7 @@
           <a:p>
             <a:fld id="{696BC0D9-3B13-4704-94CA-347EB7398004}" type="datetimeFigureOut">
               <a:rPr lang="nl-NL" smtClean="0"/>
-              <a:t>1-2-2015</a:t>
+              <a:t>2-2-2015</a:t>
             </a:fld>
             <a:endParaRPr lang="nl-NL"/>
           </a:p>
@@ -2309,7 +2311,7 @@
           <a:p>
             <a:fld id="{696BC0D9-3B13-4704-94CA-347EB7398004}" type="datetimeFigureOut">
               <a:rPr lang="nl-NL" smtClean="0"/>
-              <a:t>1-2-2015</a:t>
+              <a:t>2-2-2015</a:t>
             </a:fld>
             <a:endParaRPr lang="nl-NL"/>
           </a:p>
@@ -2849,7 +2851,7 @@
           <a:p>
             <a:fld id="{696BC0D9-3B13-4704-94CA-347EB7398004}" type="datetimeFigureOut">
               <a:rPr lang="nl-NL" smtClean="0"/>
-              <a:t>1-2-2015</a:t>
+              <a:t>2-2-2015</a:t>
             </a:fld>
             <a:endParaRPr lang="nl-NL"/>
           </a:p>
@@ -3097,7 +3099,7 @@
           <a:p>
             <a:fld id="{696BC0D9-3B13-4704-94CA-347EB7398004}" type="datetimeFigureOut">
               <a:rPr lang="nl-NL" smtClean="0"/>
-              <a:t>1-2-2015</a:t>
+              <a:t>2-2-2015</a:t>
             </a:fld>
             <a:endParaRPr lang="nl-NL"/>
           </a:p>
@@ -3629,7 +3631,7 @@
           <a:p>
             <a:fld id="{696BC0D9-3B13-4704-94CA-347EB7398004}" type="datetimeFigureOut">
               <a:rPr lang="nl-NL" smtClean="0"/>
-              <a:t>1-2-2015</a:t>
+              <a:t>2-2-2015</a:t>
             </a:fld>
             <a:endParaRPr lang="nl-NL"/>
           </a:p>
@@ -3926,7 +3928,7 @@
           <a:p>
             <a:fld id="{696BC0D9-3B13-4704-94CA-347EB7398004}" type="datetimeFigureOut">
               <a:rPr lang="nl-NL" smtClean="0"/>
-              <a:t>1-2-2015</a:t>
+              <a:t>2-2-2015</a:t>
             </a:fld>
             <a:endParaRPr lang="nl-NL"/>
           </a:p>
@@ -4100,7 +4102,7 @@
           <a:p>
             <a:fld id="{696BC0D9-3B13-4704-94CA-347EB7398004}" type="datetimeFigureOut">
               <a:rPr lang="nl-NL" smtClean="0"/>
-              <a:t>1-2-2015</a:t>
+              <a:t>2-2-2015</a:t>
             </a:fld>
             <a:endParaRPr lang="nl-NL"/>
           </a:p>
@@ -4280,7 +4282,7 @@
           <a:p>
             <a:fld id="{696BC0D9-3B13-4704-94CA-347EB7398004}" type="datetimeFigureOut">
               <a:rPr lang="nl-NL" smtClean="0"/>
-              <a:t>1-2-2015</a:t>
+              <a:t>2-2-2015</a:t>
             </a:fld>
             <a:endParaRPr lang="nl-NL"/>
           </a:p>
@@ -4450,7 +4452,7 @@
           <a:p>
             <a:fld id="{696BC0D9-3B13-4704-94CA-347EB7398004}" type="datetimeFigureOut">
               <a:rPr lang="nl-NL" smtClean="0"/>
-              <a:t>1-2-2015</a:t>
+              <a:t>2-2-2015</a:t>
             </a:fld>
             <a:endParaRPr lang="nl-NL"/>
           </a:p>
@@ -4701,7 +4703,7 @@
           <a:p>
             <a:fld id="{696BC0D9-3B13-4704-94CA-347EB7398004}" type="datetimeFigureOut">
               <a:rPr lang="nl-NL" smtClean="0"/>
-              <a:t>1-2-2015</a:t>
+              <a:t>2-2-2015</a:t>
             </a:fld>
             <a:endParaRPr lang="nl-NL"/>
           </a:p>
@@ -4998,7 +5000,7 @@
           <a:p>
             <a:fld id="{696BC0D9-3B13-4704-94CA-347EB7398004}" type="datetimeFigureOut">
               <a:rPr lang="nl-NL" smtClean="0"/>
-              <a:t>1-2-2015</a:t>
+              <a:t>2-2-2015</a:t>
             </a:fld>
             <a:endParaRPr lang="nl-NL"/>
           </a:p>
@@ -5440,7 +5442,7 @@
           <a:p>
             <a:fld id="{696BC0D9-3B13-4704-94CA-347EB7398004}" type="datetimeFigureOut">
               <a:rPr lang="nl-NL" smtClean="0"/>
-              <a:t>1-2-2015</a:t>
+              <a:t>2-2-2015</a:t>
             </a:fld>
             <a:endParaRPr lang="nl-NL"/>
           </a:p>
@@ -5558,7 +5560,7 @@
           <a:p>
             <a:fld id="{696BC0D9-3B13-4704-94CA-347EB7398004}" type="datetimeFigureOut">
               <a:rPr lang="nl-NL" smtClean="0"/>
-              <a:t>1-2-2015</a:t>
+              <a:t>2-2-2015</a:t>
             </a:fld>
             <a:endParaRPr lang="nl-NL"/>
           </a:p>
@@ -5653,7 +5655,7 @@
           <a:p>
             <a:fld id="{696BC0D9-3B13-4704-94CA-347EB7398004}" type="datetimeFigureOut">
               <a:rPr lang="nl-NL" smtClean="0"/>
-              <a:t>1-2-2015</a:t>
+              <a:t>2-2-2015</a:t>
             </a:fld>
             <a:endParaRPr lang="nl-NL"/>
           </a:p>
@@ -5936,7 +5938,7 @@
           <a:p>
             <a:fld id="{696BC0D9-3B13-4704-94CA-347EB7398004}" type="datetimeFigureOut">
               <a:rPr lang="nl-NL" smtClean="0"/>
-              <a:t>1-2-2015</a:t>
+              <a:t>2-2-2015</a:t>
             </a:fld>
             <a:endParaRPr lang="nl-NL"/>
           </a:p>
@@ -6227,7 +6229,7 @@
           <a:p>
             <a:fld id="{696BC0D9-3B13-4704-94CA-347EB7398004}" type="datetimeFigureOut">
               <a:rPr lang="nl-NL" smtClean="0"/>
-              <a:t>1-2-2015</a:t>
+              <a:t>2-2-2015</a:t>
             </a:fld>
             <a:endParaRPr lang="nl-NL"/>
           </a:p>
@@ -6757,7 +6759,7 @@
           <a:p>
             <a:fld id="{696BC0D9-3B13-4704-94CA-347EB7398004}" type="datetimeFigureOut">
               <a:rPr lang="nl-NL" smtClean="0"/>
-              <a:t>1-2-2015</a:t>
+              <a:t>2-2-2015</a:t>
             </a:fld>
             <a:endParaRPr lang="nl-NL"/>
           </a:p>
@@ -8171,12 +8173,20 @@
               </a:buClr>
             </a:pPr>
             <a:r>
-              <a:rPr lang="nl-NL" dirty="0" smtClean="0">
+              <a:rPr lang="nl-NL" smtClean="0">
                 <a:solidFill>
                   <a:schemeClr val="accent1"/>
                 </a:solidFill>
               </a:rPr>
-              <a:t>Actoren on der </a:t>
+              <a:t>Actoren </a:t>
+            </a:r>
+            <a:r>
+              <a:rPr lang="nl-NL" smtClean="0">
+                <a:solidFill>
+                  <a:schemeClr val="accent1"/>
+                </a:solidFill>
+              </a:rPr>
+              <a:t>onder </a:t>
             </a:r>
             <a:r>
               <a:rPr lang="nl-NL" dirty="0" err="1" smtClean="0">
@@ -8192,15 +8202,7 @@
                   <a:schemeClr val="accent1"/>
                 </a:solidFill>
               </a:rPr>
-              <a:t> Actor </a:t>
-            </a:r>
-            <a:r>
-              <a:rPr lang="nl-NL" smtClean="0">
-                <a:solidFill>
-                  <a:schemeClr val="accent1"/>
-                </a:solidFill>
-              </a:rPr>
-              <a:t>in Model</a:t>
+              <a:t> Actor in Model</a:t>
             </a:r>
             <a:endParaRPr lang="nl-NL" dirty="0">
               <a:solidFill>

--- a/src/docs/Presentatie Vossen en Konijnen (1).pptx
+++ b/src/docs/Presentatie Vossen en Konijnen (1).pptx
@@ -8102,7 +8102,9 @@
         </p:nvSpPr>
         <p:spPr/>
         <p:txBody>
-          <a:bodyPr anchor="t"/>
+          <a:bodyPr anchor="t">
+            <a:normAutofit/>
+          </a:bodyPr>
           <a:lstStyle/>
           <a:p>
             <a:pPr>
@@ -8113,7 +8115,7 @@
               </a:buClr>
             </a:pPr>
             <a:r>
-              <a:rPr lang="nl-NL" dirty="0" smtClean="0">
+              <a:rPr lang="nl-NL" sz="3600" dirty="0" smtClean="0">
                 <a:solidFill>
                   <a:schemeClr val="accent1"/>
                 </a:solidFill>
@@ -8121,7 +8123,7 @@
               <a:t>Simulator en </a:t>
             </a:r>
             <a:r>
-              <a:rPr lang="nl-NL" dirty="0" err="1" smtClean="0">
+              <a:rPr lang="nl-NL" sz="3600" dirty="0" err="1" smtClean="0">
                 <a:solidFill>
                   <a:schemeClr val="accent1"/>
                 </a:solidFill>
@@ -8129,14 +8131,14 @@
               <a:t>SimulatorView</a:t>
             </a:r>
             <a:r>
-              <a:rPr lang="nl-NL" dirty="0" smtClean="0">
+              <a:rPr lang="nl-NL" sz="3600" dirty="0" smtClean="0">
                 <a:solidFill>
                   <a:schemeClr val="accent1"/>
                 </a:solidFill>
               </a:rPr>
               <a:t> samengevoegd in Controller</a:t>
             </a:r>
-            <a:endParaRPr lang="nl-NL" dirty="0">
+            <a:endParaRPr lang="nl-NL" sz="3600" dirty="0">
               <a:solidFill>
                 <a:schemeClr val="accent1"/>
               </a:solidFill>
@@ -8151,14 +8153,14 @@
               </a:buClr>
             </a:pPr>
             <a:r>
-              <a:rPr lang="nl-NL" dirty="0" smtClean="0">
+              <a:rPr lang="nl-NL" sz="3600" dirty="0" smtClean="0">
                 <a:solidFill>
                   <a:schemeClr val="accent1"/>
                 </a:solidFill>
               </a:rPr>
               <a:t>Diagrammen in View</a:t>
             </a:r>
-            <a:endParaRPr lang="nl-NL" dirty="0">
+            <a:endParaRPr lang="nl-NL" sz="3600" dirty="0">
               <a:solidFill>
                 <a:schemeClr val="accent1"/>
               </a:solidFill>
@@ -8173,7 +8175,7 @@
               </a:buClr>
             </a:pPr>
             <a:r>
-              <a:rPr lang="nl-NL" smtClean="0">
+              <a:rPr lang="nl-NL" sz="3600" dirty="0" smtClean="0">
                 <a:solidFill>
                   <a:schemeClr val="accent1"/>
                 </a:solidFill>
@@ -8181,7 +8183,7 @@
               <a:t>Actoren </a:t>
             </a:r>
             <a:r>
-              <a:rPr lang="nl-NL" smtClean="0">
+              <a:rPr lang="nl-NL" sz="3600" dirty="0" smtClean="0">
                 <a:solidFill>
                   <a:schemeClr val="accent1"/>
                 </a:solidFill>
@@ -8189,7 +8191,7 @@
               <a:t>onder </a:t>
             </a:r>
             <a:r>
-              <a:rPr lang="nl-NL" dirty="0" err="1" smtClean="0">
+              <a:rPr lang="nl-NL" sz="3600" dirty="0" err="1" smtClean="0">
                 <a:solidFill>
                   <a:schemeClr val="accent1"/>
                 </a:solidFill>
@@ -8197,14 +8199,14 @@
               <a:t>subpackage</a:t>
             </a:r>
             <a:r>
-              <a:rPr lang="nl-NL" dirty="0" smtClean="0">
+              <a:rPr lang="nl-NL" sz="3600" dirty="0" smtClean="0">
                 <a:solidFill>
                   <a:schemeClr val="accent1"/>
                 </a:solidFill>
               </a:rPr>
               <a:t> Actor in Model</a:t>
             </a:r>
-            <a:endParaRPr lang="nl-NL" dirty="0">
+            <a:endParaRPr lang="nl-NL" sz="3600" dirty="0">
               <a:solidFill>
                 <a:schemeClr val="accent1"/>
               </a:solidFill>
